--- a/Daily Agendas/Day9.2_StringsAndThings2.pptx
+++ b/Daily Agendas/Day9.2_StringsAndThings2.pptx
@@ -8,7 +8,7 @@
     <p:notesMasterId r:id="rId4"/>
   </p:notesMasterIdLst>
   <p:sldIdLst>
-    <p:sldId id="259" r:id="rId2"/>
+    <p:sldId id="260" r:id="rId2"/>
     <p:sldId id="258" r:id="rId3"/>
   </p:sldIdLst>
   <p:sldSz cx="9144000" cy="6858000" type="screen4x3"/>
@@ -551,7 +551,7 @@
     </p:spTree>
     <p:extLst>
       <p:ext uri="{BB962C8B-B14F-4D97-AF65-F5344CB8AC3E}">
-        <p14:creationId xmlns:p14="http://schemas.microsoft.com/office/powerpoint/2010/main" val="1427959663"/>
+        <p14:creationId xmlns:p14="http://schemas.microsoft.com/office/powerpoint/2010/main" val="2835422742"/>
       </p:ext>
     </p:extLst>
   </p:cSld>
@@ -3534,7 +3534,7 @@
         <p:spPr/>
         <p:txBody>
           <a:bodyPr>
-            <a:normAutofit fontScale="92500" lnSpcReduction="20000"/>
+            <a:normAutofit fontScale="70000" lnSpcReduction="20000"/>
           </a:bodyPr>
           <a:lstStyle/>
           <a:p>
@@ -3548,6 +3548,27 @@
             <a:pPr lvl="1"/>
             <a:r>
               <a:rPr lang="en-CA" dirty="0" smtClean="0"/>
+              <a:t>Mid-Term Test</a:t>
+            </a:r>
+          </a:p>
+          <a:p>
+            <a:pPr lvl="2"/>
+            <a:r>
+              <a:rPr lang="en-CA" dirty="0" smtClean="0"/>
+              <a:t>Mon Nov 4: Multiple Choice / Short Answer (Topic A &amp; C)</a:t>
+            </a:r>
+          </a:p>
+          <a:p>
+            <a:pPr lvl="2"/>
+            <a:r>
+              <a:rPr lang="en-CA" dirty="0" smtClean="0"/>
+              <a:t>Tue Nov 5:  Programming Questions (Topic B)</a:t>
+            </a:r>
+          </a:p>
+          <a:p>
+            <a:pPr lvl="1"/>
+            <a:r>
+              <a:rPr lang="en-CA" dirty="0" smtClean="0"/>
               <a:t>B.5 Strings &amp; Things</a:t>
             </a:r>
           </a:p>
@@ -3615,7 +3636,7 @@
             <a:pPr lvl="1"/>
             <a:r>
               <a:rPr lang="en-CA" sz="2400" dirty="0" smtClean="0"/>
-              <a:t>Tomorrow: New Programming Topic</a:t>
+              <a:t>Tomorrow: New Programming Topic / Catch-Up Work</a:t>
             </a:r>
             <a:endParaRPr lang="en-US" sz="2400" dirty="0"/>
           </a:p>
@@ -3624,7 +3645,7 @@
     </p:spTree>
     <p:extLst>
       <p:ext uri="{BB962C8B-B14F-4D97-AF65-F5344CB8AC3E}">
-        <p14:creationId xmlns:p14="http://schemas.microsoft.com/office/powerpoint/2010/main" val="3767953200"/>
+        <p14:creationId xmlns:p14="http://schemas.microsoft.com/office/powerpoint/2010/main" val="3033620953"/>
       </p:ext>
     </p:extLst>
   </p:cSld>
